--- a/img/app-design.pptx
+++ b/img/app-design.pptx
@@ -265,7 +265,7 @@
           <a:p>
             <a:fld id="{3F5F67B6-3A2F-0341-87D1-0E4537B22E46}" type="datetimeFigureOut">
               <a:rPr lang="en-NL" smtClean="0"/>
-              <a:t>24/11/2025</a:t>
+              <a:t>25/11/2025</a:t>
             </a:fld>
             <a:endParaRPr lang="en-NL"/>
           </a:p>
@@ -465,7 +465,7 @@
           <a:p>
             <a:fld id="{3F5F67B6-3A2F-0341-87D1-0E4537B22E46}" type="datetimeFigureOut">
               <a:rPr lang="en-NL" smtClean="0"/>
-              <a:t>24/11/2025</a:t>
+              <a:t>25/11/2025</a:t>
             </a:fld>
             <a:endParaRPr lang="en-NL"/>
           </a:p>
@@ -675,7 +675,7 @@
           <a:p>
             <a:fld id="{3F5F67B6-3A2F-0341-87D1-0E4537B22E46}" type="datetimeFigureOut">
               <a:rPr lang="en-NL" smtClean="0"/>
-              <a:t>24/11/2025</a:t>
+              <a:t>25/11/2025</a:t>
             </a:fld>
             <a:endParaRPr lang="en-NL"/>
           </a:p>
@@ -875,7 +875,7 @@
           <a:p>
             <a:fld id="{3F5F67B6-3A2F-0341-87D1-0E4537B22E46}" type="datetimeFigureOut">
               <a:rPr lang="en-NL" smtClean="0"/>
-              <a:t>24/11/2025</a:t>
+              <a:t>25/11/2025</a:t>
             </a:fld>
             <a:endParaRPr lang="en-NL"/>
           </a:p>
@@ -1151,7 +1151,7 @@
           <a:p>
             <a:fld id="{3F5F67B6-3A2F-0341-87D1-0E4537B22E46}" type="datetimeFigureOut">
               <a:rPr lang="en-NL" smtClean="0"/>
-              <a:t>24/11/2025</a:t>
+              <a:t>25/11/2025</a:t>
             </a:fld>
             <a:endParaRPr lang="en-NL"/>
           </a:p>
@@ -1419,7 +1419,7 @@
           <a:p>
             <a:fld id="{3F5F67B6-3A2F-0341-87D1-0E4537B22E46}" type="datetimeFigureOut">
               <a:rPr lang="en-NL" smtClean="0"/>
-              <a:t>24/11/2025</a:t>
+              <a:t>25/11/2025</a:t>
             </a:fld>
             <a:endParaRPr lang="en-NL"/>
           </a:p>
@@ -1834,7 +1834,7 @@
           <a:p>
             <a:fld id="{3F5F67B6-3A2F-0341-87D1-0E4537B22E46}" type="datetimeFigureOut">
               <a:rPr lang="en-NL" smtClean="0"/>
-              <a:t>24/11/2025</a:t>
+              <a:t>25/11/2025</a:t>
             </a:fld>
             <a:endParaRPr lang="en-NL"/>
           </a:p>
@@ -1976,7 +1976,7 @@
           <a:p>
             <a:fld id="{3F5F67B6-3A2F-0341-87D1-0E4537B22E46}" type="datetimeFigureOut">
               <a:rPr lang="en-NL" smtClean="0"/>
-              <a:t>24/11/2025</a:t>
+              <a:t>25/11/2025</a:t>
             </a:fld>
             <a:endParaRPr lang="en-NL"/>
           </a:p>
@@ -2089,7 +2089,7 @@
           <a:p>
             <a:fld id="{3F5F67B6-3A2F-0341-87D1-0E4537B22E46}" type="datetimeFigureOut">
               <a:rPr lang="en-NL" smtClean="0"/>
-              <a:t>24/11/2025</a:t>
+              <a:t>25/11/2025</a:t>
             </a:fld>
             <a:endParaRPr lang="en-NL"/>
           </a:p>
@@ -2402,7 +2402,7 @@
           <a:p>
             <a:fld id="{3F5F67B6-3A2F-0341-87D1-0E4537B22E46}" type="datetimeFigureOut">
               <a:rPr lang="en-NL" smtClean="0"/>
-              <a:t>24/11/2025</a:t>
+              <a:t>25/11/2025</a:t>
             </a:fld>
             <a:endParaRPr lang="en-NL"/>
           </a:p>
@@ -2691,7 +2691,7 @@
           <a:p>
             <a:fld id="{3F5F67B6-3A2F-0341-87D1-0E4537B22E46}" type="datetimeFigureOut">
               <a:rPr lang="en-NL" smtClean="0"/>
-              <a:t>24/11/2025</a:t>
+              <a:t>25/11/2025</a:t>
             </a:fld>
             <a:endParaRPr lang="en-NL"/>
           </a:p>
@@ -2934,7 +2934,7 @@
           <a:p>
             <a:fld id="{3F5F67B6-3A2F-0341-87D1-0E4537B22E46}" type="datetimeFigureOut">
               <a:rPr lang="en-NL" smtClean="0"/>
-              <a:t>24/11/2025</a:t>
+              <a:t>25/11/2025</a:t>
             </a:fld>
             <a:endParaRPr lang="en-NL"/>
           </a:p>
@@ -6063,7 +6063,7 @@
         </p:nvSpPr>
         <p:spPr>
           <a:xfrm rot="19048560">
-            <a:off x="8379077" y="2971800"/>
+            <a:off x="4221799" y="2893741"/>
             <a:ext cx="914400" cy="914400"/>
           </a:xfrm>
           <a:prstGeom prst="teardrop">
@@ -6103,66 +6103,7 @@
           <a:bodyPr rtlCol="0" anchor="ctr"/>
           <a:lstStyle/>
           <a:p>
-            <a:pPr algn="ctr"/>
-            <a:endParaRPr lang="en-BE" sz="2400"/>
-          </a:p>
-        </p:txBody>
-      </p:sp>
-      <p:sp>
-        <p:nvSpPr>
-          <p:cNvPr id="7" name="Teardrop 10">
-            <a:extLst>
-              <a:ext uri="{FF2B5EF4-FFF2-40B4-BE49-F238E27FC236}">
-                <a16:creationId xmlns:a16="http://schemas.microsoft.com/office/drawing/2014/main" id="{E8F2983A-1229-A063-55F2-F5767748AEE2}"/>
-              </a:ext>
-            </a:extLst>
-          </p:cNvPr>
-          <p:cNvSpPr/>
-          <p:nvPr/>
-        </p:nvSpPr>
-        <p:spPr>
-          <a:xfrm rot="19048560">
-            <a:off x="2197100" y="2988528"/>
-            <a:ext cx="914400" cy="914400"/>
-          </a:xfrm>
-          <a:prstGeom prst="teardrop">
-            <a:avLst/>
-          </a:prstGeom>
-          <a:solidFill>
-            <a:srgbClr val="FF0000"/>
-          </a:solidFill>
-          <a:ln>
-            <a:noFill/>
-          </a:ln>
-          <a:effectLst>
-            <a:outerShdw blurRad="50800" dist="38100" dir="2700000" algn="tl" rotWithShape="0">
-              <a:prstClr val="black">
-                <a:alpha val="40000"/>
-              </a:prstClr>
-            </a:outerShdw>
-          </a:effectLst>
-        </p:spPr>
-        <p:style>
-          <a:lnRef idx="2">
-            <a:schemeClr val="accent1">
-              <a:shade val="50000"/>
-            </a:schemeClr>
-          </a:lnRef>
-          <a:fillRef idx="1">
-            <a:schemeClr val="accent1"/>
-          </a:fillRef>
-          <a:effectRef idx="0">
-            <a:schemeClr val="accent1"/>
-          </a:effectRef>
-          <a:fontRef idx="minor">
-            <a:schemeClr val="lt1"/>
-          </a:fontRef>
-        </p:style>
-        <p:txBody>
-          <a:bodyPr rtlCol="0" anchor="ctr"/>
-          <a:lstStyle/>
-          <a:p>
-            <a:pPr algn="ctr"/>
+            <a:pPr algn="r"/>
             <a:endParaRPr lang="en-BE" sz="2400"/>
           </a:p>
         </p:txBody>
